--- a/Documentos/Primer Entrega.pptx
+++ b/Documentos/Primer Entrega.pptx
@@ -10773,7 +10773,7 @@
             <a:tbl>
               <a:tblPr>
                 <a:noFill/>
-                <a:tableStyleId>{9EFD0B35-4F9F-4677-8CF9-B216C79D5034}</a:tableStyleId>
+                <a:tableStyleId>{C66F0485-B579-4461-AD7B-AA0BD61103D1}</a:tableStyleId>
               </a:tblPr>
               <a:tblGrid>
                 <a:gridCol w="1860375"/>
